--- a/presentation.pptx
+++ b/presentation.pptx
@@ -10,6 +10,10 @@
     <p:sldId id="258" r:id="rId4"/>
     <p:sldId id="259" r:id="rId5"/>
     <p:sldId id="260" r:id="rId6"/>
+    <p:sldId id="261" r:id="rId7"/>
+    <p:sldId id="262" r:id="rId8"/>
+    <p:sldId id="263" r:id="rId9"/>
+    <p:sldId id="264" r:id="rId10"/>
   </p:sldIdLst>
   <p:sldSz cx="12192000" cy="6858000"/>
   <p:notesSz cx="6858000" cy="9144000"/>
@@ -253,7 +257,7 @@
           <a:p>
             <a:fld id="{F5F1901C-D33B-4565-A7E4-5DF903098DB6}" type="datetimeFigureOut">
               <a:rPr lang="hu-HU" smtClean="0"/>
-              <a:t>2025. 10. 21.</a:t>
+              <a:t>2025. 10. 28.</a:t>
             </a:fld>
             <a:endParaRPr lang="hu-HU"/>
           </a:p>
@@ -421,7 +425,7 @@
           <a:p>
             <a:fld id="{F5F1901C-D33B-4565-A7E4-5DF903098DB6}" type="datetimeFigureOut">
               <a:rPr lang="hu-HU" smtClean="0"/>
-              <a:t>2025. 10. 21.</a:t>
+              <a:t>2025. 10. 28.</a:t>
             </a:fld>
             <a:endParaRPr lang="hu-HU"/>
           </a:p>
@@ -599,7 +603,7 @@
           <a:p>
             <a:fld id="{F5F1901C-D33B-4565-A7E4-5DF903098DB6}" type="datetimeFigureOut">
               <a:rPr lang="hu-HU" smtClean="0"/>
-              <a:t>2025. 10. 21.</a:t>
+              <a:t>2025. 10. 28.</a:t>
             </a:fld>
             <a:endParaRPr lang="hu-HU"/>
           </a:p>
@@ -767,7 +771,7 @@
           <a:p>
             <a:fld id="{F5F1901C-D33B-4565-A7E4-5DF903098DB6}" type="datetimeFigureOut">
               <a:rPr lang="hu-HU" smtClean="0"/>
-              <a:t>2025. 10. 21.</a:t>
+              <a:t>2025. 10. 28.</a:t>
             </a:fld>
             <a:endParaRPr lang="hu-HU"/>
           </a:p>
@@ -1012,7 +1016,7 @@
           <a:p>
             <a:fld id="{F5F1901C-D33B-4565-A7E4-5DF903098DB6}" type="datetimeFigureOut">
               <a:rPr lang="hu-HU" smtClean="0"/>
-              <a:t>2025. 10. 21.</a:t>
+              <a:t>2025. 10. 28.</a:t>
             </a:fld>
             <a:endParaRPr lang="hu-HU"/>
           </a:p>
@@ -1241,7 +1245,7 @@
           <a:p>
             <a:fld id="{F5F1901C-D33B-4565-A7E4-5DF903098DB6}" type="datetimeFigureOut">
               <a:rPr lang="hu-HU" smtClean="0"/>
-              <a:t>2025. 10. 21.</a:t>
+              <a:t>2025. 10. 28.</a:t>
             </a:fld>
             <a:endParaRPr lang="hu-HU"/>
           </a:p>
@@ -1605,7 +1609,7 @@
           <a:p>
             <a:fld id="{F5F1901C-D33B-4565-A7E4-5DF903098DB6}" type="datetimeFigureOut">
               <a:rPr lang="hu-HU" smtClean="0"/>
-              <a:t>2025. 10. 21.</a:t>
+              <a:t>2025. 10. 28.</a:t>
             </a:fld>
             <a:endParaRPr lang="hu-HU"/>
           </a:p>
@@ -1722,7 +1726,7 @@
           <a:p>
             <a:fld id="{F5F1901C-D33B-4565-A7E4-5DF903098DB6}" type="datetimeFigureOut">
               <a:rPr lang="hu-HU" smtClean="0"/>
-              <a:t>2025. 10. 21.</a:t>
+              <a:t>2025. 10. 28.</a:t>
             </a:fld>
             <a:endParaRPr lang="hu-HU"/>
           </a:p>
@@ -1817,7 +1821,7 @@
           <a:p>
             <a:fld id="{F5F1901C-D33B-4565-A7E4-5DF903098DB6}" type="datetimeFigureOut">
               <a:rPr lang="hu-HU" smtClean="0"/>
-              <a:t>2025. 10. 21.</a:t>
+              <a:t>2025. 10. 28.</a:t>
             </a:fld>
             <a:endParaRPr lang="hu-HU"/>
           </a:p>
@@ -2092,7 +2096,7 @@
           <a:p>
             <a:fld id="{F5F1901C-D33B-4565-A7E4-5DF903098DB6}" type="datetimeFigureOut">
               <a:rPr lang="hu-HU" smtClean="0"/>
-              <a:t>2025. 10. 21.</a:t>
+              <a:t>2025. 10. 28.</a:t>
             </a:fld>
             <a:endParaRPr lang="hu-HU"/>
           </a:p>
@@ -2344,7 +2348,7 @@
           <a:p>
             <a:fld id="{F5F1901C-D33B-4565-A7E4-5DF903098DB6}" type="datetimeFigureOut">
               <a:rPr lang="hu-HU" smtClean="0"/>
-              <a:t>2025. 10. 21.</a:t>
+              <a:t>2025. 10. 28.</a:t>
             </a:fld>
             <a:endParaRPr lang="hu-HU"/>
           </a:p>
@@ -2555,7 +2559,7 @@
           <a:p>
             <a:fld id="{F5F1901C-D33B-4565-A7E4-5DF903098DB6}" type="datetimeFigureOut">
               <a:rPr lang="hu-HU" smtClean="0"/>
-              <a:t>2025. 10. 21.</a:t>
+              <a:t>2025. 10. 28.</a:t>
             </a:fld>
             <a:endParaRPr lang="hu-HU"/>
           </a:p>
@@ -4070,7 +4074,7 @@
           <a:lstStyle/>
           <a:p>
             <a:r>
-              <a:rPr lang="hu-HU" err="1">
+              <a:rPr lang="hu-HU" dirty="0" err="1">
                 <a:ea typeface="+mn-lt"/>
                 <a:cs typeface="+mn-lt"/>
               </a:rPr>
@@ -4084,7 +4088,7 @@
               <a:t> </a:t>
             </a:r>
             <a:r>
-              <a:rPr lang="hu-HU" err="1">
+              <a:rPr lang="hu-HU" dirty="0" err="1">
                 <a:ea typeface="+mn-lt"/>
                 <a:cs typeface="+mn-lt"/>
               </a:rPr>
@@ -4098,7 +4102,7 @@
               <a:t> of </a:t>
             </a:r>
             <a:r>
-              <a:rPr lang="hu-HU" err="1">
+              <a:rPr lang="hu-HU" dirty="0" err="1">
                 <a:ea typeface="+mn-lt"/>
                 <a:cs typeface="+mn-lt"/>
               </a:rPr>
@@ -4112,7 +4116,7 @@
               <a:t> APR </a:t>
             </a:r>
             <a:r>
-              <a:rPr lang="hu-HU" err="1">
+              <a:rPr lang="hu-HU" dirty="0" err="1">
                 <a:ea typeface="+mn-lt"/>
                 <a:cs typeface="+mn-lt"/>
               </a:rPr>
@@ -4126,7 +4130,7 @@
               <a:t> of </a:t>
             </a:r>
             <a:r>
-              <a:rPr lang="hu-HU" err="1">
+              <a:rPr lang="hu-HU" dirty="0" err="1">
                 <a:ea typeface="+mn-lt"/>
                 <a:cs typeface="+mn-lt"/>
               </a:rPr>
@@ -4140,366 +4144,1145 @@
               <a:t> </a:t>
             </a:r>
             <a:r>
-              <a:rPr lang="hu-HU" err="1">
+              <a:rPr lang="hu-HU" dirty="0" err="1">
                 <a:ea typeface="+mn-lt"/>
                 <a:cs typeface="+mn-lt"/>
               </a:rPr>
               <a:t>LLMs</a:t>
-            </a:r>
-            <a:endParaRPr lang="hu-HU">
-              <a:ea typeface="+mn-lt"/>
-              <a:cs typeface="+mn-lt"/>
-            </a:endParaRPr>
-          </a:p>
-          <a:p>
-            <a:r>
-              <a:rPr lang="hu-HU" dirty="0" err="1">
-                <a:ea typeface="+mn-lt"/>
-                <a:cs typeface="+mn-lt"/>
-              </a:rPr>
-              <a:t>critical</a:t>
-            </a:r>
-            <a:r>
-              <a:rPr lang="hu-HU" dirty="0">
-                <a:ea typeface="+mn-lt"/>
-                <a:cs typeface="+mn-lt"/>
-              </a:rPr>
-              <a:t> </a:t>
-            </a:r>
-            <a:r>
-              <a:rPr lang="hu-HU" dirty="0" err="1">
-                <a:ea typeface="+mn-lt"/>
-                <a:cs typeface="+mn-lt"/>
-              </a:rPr>
-              <a:t>evaluation</a:t>
-            </a:r>
-            <a:r>
-              <a:rPr lang="hu-HU" dirty="0">
-                <a:ea typeface="+mn-lt"/>
-                <a:cs typeface="+mn-lt"/>
-              </a:rPr>
-              <a:t> </a:t>
-            </a:r>
-            <a:r>
-              <a:rPr lang="hu-HU" dirty="0" err="1">
-                <a:ea typeface="+mn-lt"/>
-                <a:cs typeface="+mn-lt"/>
-              </a:rPr>
-              <a:t>dimensions</a:t>
-            </a:r>
-            <a:r>
-              <a:rPr lang="hu-HU" dirty="0">
-                <a:ea typeface="+mn-lt"/>
-                <a:cs typeface="+mn-lt"/>
-              </a:rPr>
-              <a:t>:</a:t>
-            </a:r>
-          </a:p>
-          <a:p>
-            <a:pPr lvl="1">
-              <a:buFont typeface="Courier New" panose="020B0604020202020204" pitchFamily="34" charset="0"/>
-              <a:buChar char="o"/>
-            </a:pPr>
-            <a:r>
-              <a:rPr lang="hu-HU" dirty="0">
-                <a:ea typeface="+mn-lt"/>
-                <a:cs typeface="+mn-lt"/>
-              </a:rPr>
-              <a:t>Patch </a:t>
-            </a:r>
-            <a:r>
-              <a:rPr lang="hu-HU" dirty="0" err="1">
-                <a:ea typeface="+mn-lt"/>
-                <a:cs typeface="+mn-lt"/>
-              </a:rPr>
-              <a:t>Accuracy</a:t>
-            </a:r>
-            <a:r>
-              <a:rPr lang="hu-HU" dirty="0">
-                <a:ea typeface="+mn-lt"/>
-                <a:cs typeface="+mn-lt"/>
-              </a:rPr>
-              <a:t> (</a:t>
-            </a:r>
-            <a:r>
-              <a:rPr lang="hu-HU" dirty="0" err="1">
-                <a:ea typeface="+mn-lt"/>
-                <a:cs typeface="+mn-lt"/>
-              </a:rPr>
-              <a:t>Correctness</a:t>
-            </a:r>
-            <a:r>
-              <a:rPr lang="hu-HU" dirty="0">
-                <a:ea typeface="+mn-lt"/>
-                <a:cs typeface="+mn-lt"/>
-              </a:rPr>
-              <a:t>)</a:t>
-            </a:r>
-          </a:p>
-          <a:p>
-            <a:pPr lvl="1">
-              <a:buFont typeface="Courier New" panose="020B0604020202020204" pitchFamily="34" charset="0"/>
-              <a:buChar char="o"/>
-            </a:pPr>
-            <a:r>
-              <a:rPr lang="hu-HU" dirty="0" err="1">
-                <a:ea typeface="+mn-lt"/>
-                <a:cs typeface="+mn-lt"/>
-              </a:rPr>
-              <a:t>Newly</a:t>
-            </a:r>
-            <a:r>
-              <a:rPr lang="hu-HU" dirty="0">
-                <a:ea typeface="+mn-lt"/>
-                <a:cs typeface="+mn-lt"/>
-              </a:rPr>
-              <a:t> </a:t>
-            </a:r>
-            <a:r>
-              <a:rPr lang="hu-HU" dirty="0" err="1">
-                <a:ea typeface="+mn-lt"/>
-                <a:cs typeface="+mn-lt"/>
-              </a:rPr>
-              <a:t>Introduced</a:t>
-            </a:r>
-            <a:r>
-              <a:rPr lang="hu-HU" dirty="0">
-                <a:ea typeface="+mn-lt"/>
-                <a:cs typeface="+mn-lt"/>
-              </a:rPr>
-              <a:t> </a:t>
-            </a:r>
-            <a:r>
-              <a:rPr lang="hu-HU" dirty="0" err="1">
-                <a:ea typeface="+mn-lt"/>
-                <a:cs typeface="+mn-lt"/>
-              </a:rPr>
-              <a:t>Bugs</a:t>
-            </a:r>
-            <a:r>
-              <a:rPr lang="hu-HU" dirty="0">
-                <a:ea typeface="+mn-lt"/>
-                <a:cs typeface="+mn-lt"/>
-              </a:rPr>
-              <a:t> (</a:t>
-            </a:r>
-            <a:r>
-              <a:rPr lang="hu-HU" dirty="0" err="1">
-                <a:ea typeface="+mn-lt"/>
-                <a:cs typeface="+mn-lt"/>
-              </a:rPr>
-              <a:t>Side</a:t>
-            </a:r>
-            <a:r>
-              <a:rPr lang="hu-HU" dirty="0">
-                <a:ea typeface="+mn-lt"/>
-                <a:cs typeface="+mn-lt"/>
-              </a:rPr>
-              <a:t> </a:t>
-            </a:r>
-            <a:r>
-              <a:rPr lang="hu-HU" dirty="0" err="1">
-                <a:ea typeface="+mn-lt"/>
-                <a:cs typeface="+mn-lt"/>
-              </a:rPr>
-              <a:t>Effects</a:t>
-            </a:r>
-            <a:r>
-              <a:rPr lang="hu-HU" dirty="0">
-                <a:ea typeface="+mn-lt"/>
-                <a:cs typeface="+mn-lt"/>
-              </a:rPr>
-              <a:t>)</a:t>
-            </a:r>
-          </a:p>
-          <a:p>
-            <a:pPr lvl="1">
-              <a:buFont typeface="Courier New" panose="020B0604020202020204" pitchFamily="34" charset="0"/>
-              <a:buChar char="o"/>
-            </a:pPr>
-            <a:r>
-              <a:rPr lang="hu-HU" dirty="0">
-                <a:ea typeface="+mn-lt"/>
-                <a:cs typeface="+mn-lt"/>
-              </a:rPr>
-              <a:t>Time of </a:t>
-            </a:r>
-            <a:r>
-              <a:rPr lang="hu-HU" dirty="0" err="1">
-                <a:ea typeface="+mn-lt"/>
-                <a:cs typeface="+mn-lt"/>
-              </a:rPr>
-              <a:t>Reply</a:t>
-            </a:r>
-            <a:r>
-              <a:rPr lang="hu-HU" dirty="0">
-                <a:ea typeface="+mn-lt"/>
-                <a:cs typeface="+mn-lt"/>
-              </a:rPr>
-              <a:t> (</a:t>
-            </a:r>
-            <a:r>
-              <a:rPr lang="hu-HU" dirty="0" err="1">
-                <a:ea typeface="+mn-lt"/>
-                <a:cs typeface="+mn-lt"/>
-              </a:rPr>
-              <a:t>Efficiency</a:t>
-            </a:r>
-            <a:r>
-              <a:rPr lang="hu-HU" dirty="0">
-                <a:ea typeface="+mn-lt"/>
-                <a:cs typeface="+mn-lt"/>
-              </a:rPr>
-              <a:t>)</a:t>
-            </a:r>
-          </a:p>
-          <a:p>
-            <a:r>
-              <a:rPr lang="hu-HU" err="1">
-                <a:ea typeface="+mn-lt"/>
-                <a:cs typeface="+mn-lt"/>
-              </a:rPr>
-              <a:t>varying</a:t>
-            </a:r>
-            <a:r>
-              <a:rPr lang="hu-HU" dirty="0">
-                <a:ea typeface="+mn-lt"/>
-                <a:cs typeface="+mn-lt"/>
-              </a:rPr>
-              <a:t> </a:t>
-            </a:r>
-            <a:r>
-              <a:rPr lang="hu-HU" err="1">
-                <a:ea typeface="+mn-lt"/>
-                <a:cs typeface="+mn-lt"/>
-              </a:rPr>
-              <a:t>levels</a:t>
-            </a:r>
-            <a:r>
-              <a:rPr lang="hu-HU" dirty="0">
-                <a:ea typeface="+mn-lt"/>
-                <a:cs typeface="+mn-lt"/>
-              </a:rPr>
-              <a:t> of </a:t>
-            </a:r>
-            <a:r>
-              <a:rPr lang="hu-HU" err="1">
-                <a:ea typeface="+mn-lt"/>
-                <a:cs typeface="+mn-lt"/>
-              </a:rPr>
-              <a:t>complexity</a:t>
-            </a:r>
-            <a:r>
-              <a:rPr lang="hu-HU" dirty="0">
-                <a:ea typeface="+mn-lt"/>
-                <a:cs typeface="+mn-lt"/>
-              </a:rPr>
-              <a:t> (1,3,5 </a:t>
-            </a:r>
-            <a:r>
-              <a:rPr lang="hu-HU" err="1">
-                <a:ea typeface="+mn-lt"/>
-                <a:cs typeface="+mn-lt"/>
-              </a:rPr>
-              <a:t>bugs</a:t>
-            </a:r>
-            <a:r>
-              <a:rPr lang="hu-HU" dirty="0">
-                <a:ea typeface="+mn-lt"/>
-                <a:cs typeface="+mn-lt"/>
-              </a:rPr>
-              <a:t>)</a:t>
-            </a:r>
-          </a:p>
-          <a:p>
-            <a:r>
-              <a:rPr lang="hu-HU" dirty="0" err="1">
-                <a:ea typeface="+mn-lt"/>
-                <a:cs typeface="+mn-lt"/>
-              </a:rPr>
-              <a:t>simple</a:t>
-            </a:r>
-            <a:r>
-              <a:rPr lang="hu-HU" dirty="0">
-                <a:ea typeface="+mn-lt"/>
-                <a:cs typeface="+mn-lt"/>
-              </a:rPr>
-              <a:t> </a:t>
-            </a:r>
-            <a:r>
-              <a:rPr lang="hu-HU" dirty="0" err="1">
-                <a:ea typeface="+mn-lt"/>
-                <a:cs typeface="+mn-lt"/>
-              </a:rPr>
-              <a:t>versus</a:t>
-            </a:r>
-            <a:r>
-              <a:rPr lang="hu-HU" dirty="0">
-                <a:ea typeface="+mn-lt"/>
-                <a:cs typeface="+mn-lt"/>
-              </a:rPr>
-              <a:t> </a:t>
-            </a:r>
-            <a:r>
-              <a:rPr lang="hu-HU" dirty="0" err="1">
-                <a:ea typeface="+mn-lt"/>
-                <a:cs typeface="+mn-lt"/>
-              </a:rPr>
-              <a:t>complex</a:t>
-            </a:r>
-            <a:r>
-              <a:rPr lang="hu-HU" dirty="0">
-                <a:ea typeface="+mn-lt"/>
-                <a:cs typeface="+mn-lt"/>
-              </a:rPr>
-              <a:t> (multi-</a:t>
-            </a:r>
-            <a:r>
-              <a:rPr lang="hu-HU" dirty="0" err="1">
-                <a:ea typeface="+mn-lt"/>
-                <a:cs typeface="+mn-lt"/>
-              </a:rPr>
-              <a:t>hunk</a:t>
-            </a:r>
-            <a:r>
-              <a:rPr lang="hu-HU" dirty="0">
-                <a:ea typeface="+mn-lt"/>
-                <a:cs typeface="+mn-lt"/>
-              </a:rPr>
-              <a:t>) </a:t>
-            </a:r>
-            <a:r>
-              <a:rPr lang="hu-HU" dirty="0" err="1">
-                <a:ea typeface="+mn-lt"/>
-                <a:cs typeface="+mn-lt"/>
-              </a:rPr>
-              <a:t>defects</a:t>
-            </a:r>
-            <a:r>
-              <a:rPr lang="hu-HU" dirty="0">
-                <a:ea typeface="+mn-lt"/>
-                <a:cs typeface="+mn-lt"/>
-              </a:rPr>
-              <a:t> performance </a:t>
-            </a:r>
-            <a:r>
-              <a:rPr lang="hu-HU" dirty="0" err="1">
-                <a:ea typeface="+mn-lt"/>
-                <a:cs typeface="+mn-lt"/>
-              </a:rPr>
-              <a:t>comparison</a:t>
             </a:r>
             <a:endParaRPr lang="hu-HU" dirty="0">
               <a:ea typeface="+mn-lt"/>
               <a:cs typeface="+mn-lt"/>
             </a:endParaRPr>
           </a:p>
+          <a:p>
+            <a:r>
+              <a:rPr lang="hu-HU" dirty="0" err="1">
+                <a:ea typeface="+mn-lt"/>
+                <a:cs typeface="+mn-lt"/>
+              </a:rPr>
+              <a:t>critical</a:t>
+            </a:r>
+            <a:r>
+              <a:rPr lang="hu-HU" dirty="0">
+                <a:ea typeface="+mn-lt"/>
+                <a:cs typeface="+mn-lt"/>
+              </a:rPr>
+              <a:t> </a:t>
+            </a:r>
+            <a:r>
+              <a:rPr lang="hu-HU" dirty="0" err="1">
+                <a:ea typeface="+mn-lt"/>
+                <a:cs typeface="+mn-lt"/>
+              </a:rPr>
+              <a:t>evaluation</a:t>
+            </a:r>
+            <a:r>
+              <a:rPr lang="hu-HU" dirty="0">
+                <a:ea typeface="+mn-lt"/>
+                <a:cs typeface="+mn-lt"/>
+              </a:rPr>
+              <a:t> </a:t>
+            </a:r>
+            <a:r>
+              <a:rPr lang="hu-HU" dirty="0" err="1">
+                <a:ea typeface="+mn-lt"/>
+                <a:cs typeface="+mn-lt"/>
+              </a:rPr>
+              <a:t>dimensions</a:t>
+            </a:r>
+            <a:r>
+              <a:rPr lang="hu-HU" dirty="0">
+                <a:ea typeface="+mn-lt"/>
+                <a:cs typeface="+mn-lt"/>
+              </a:rPr>
+              <a:t>:</a:t>
+            </a:r>
+          </a:p>
+          <a:p>
+            <a:pPr lvl="1"/>
+            <a:r>
+              <a:rPr lang="hu-HU" dirty="0">
+                <a:ea typeface="+mn-lt"/>
+                <a:cs typeface="+mn-lt"/>
+              </a:rPr>
+              <a:t>Patch </a:t>
+            </a:r>
+            <a:r>
+              <a:rPr lang="hu-HU" dirty="0" err="1">
+                <a:ea typeface="+mn-lt"/>
+                <a:cs typeface="+mn-lt"/>
+              </a:rPr>
+              <a:t>Accuracy</a:t>
+            </a:r>
+            <a:r>
+              <a:rPr lang="hu-HU" dirty="0">
+                <a:ea typeface="+mn-lt"/>
+                <a:cs typeface="+mn-lt"/>
+              </a:rPr>
+              <a:t> (</a:t>
+            </a:r>
+            <a:r>
+              <a:rPr lang="hu-HU" dirty="0" err="1">
+                <a:ea typeface="+mn-lt"/>
+                <a:cs typeface="+mn-lt"/>
+              </a:rPr>
+              <a:t>Correctness</a:t>
+            </a:r>
+            <a:r>
+              <a:rPr lang="hu-HU" dirty="0">
+                <a:ea typeface="+mn-lt"/>
+                <a:cs typeface="+mn-lt"/>
+              </a:rPr>
+              <a:t>)</a:t>
+            </a:r>
+          </a:p>
+          <a:p>
+            <a:pPr lvl="1"/>
+            <a:r>
+              <a:rPr lang="hu-HU" dirty="0" err="1">
+                <a:ea typeface="+mn-lt"/>
+                <a:cs typeface="+mn-lt"/>
+              </a:rPr>
+              <a:t>Newly</a:t>
+            </a:r>
+            <a:r>
+              <a:rPr lang="hu-HU" dirty="0">
+                <a:ea typeface="+mn-lt"/>
+                <a:cs typeface="+mn-lt"/>
+              </a:rPr>
+              <a:t> </a:t>
+            </a:r>
+            <a:r>
+              <a:rPr lang="hu-HU" dirty="0" err="1">
+                <a:ea typeface="+mn-lt"/>
+                <a:cs typeface="+mn-lt"/>
+              </a:rPr>
+              <a:t>Introduced</a:t>
+            </a:r>
+            <a:r>
+              <a:rPr lang="hu-HU" dirty="0">
+                <a:ea typeface="+mn-lt"/>
+                <a:cs typeface="+mn-lt"/>
+              </a:rPr>
+              <a:t> </a:t>
+            </a:r>
+            <a:r>
+              <a:rPr lang="hu-HU" dirty="0" err="1">
+                <a:ea typeface="+mn-lt"/>
+                <a:cs typeface="+mn-lt"/>
+              </a:rPr>
+              <a:t>Bugs</a:t>
+            </a:r>
+            <a:r>
+              <a:rPr lang="hu-HU" dirty="0">
+                <a:ea typeface="+mn-lt"/>
+                <a:cs typeface="+mn-lt"/>
+              </a:rPr>
+              <a:t> (</a:t>
+            </a:r>
+            <a:r>
+              <a:rPr lang="hu-HU" dirty="0" err="1">
+                <a:ea typeface="+mn-lt"/>
+                <a:cs typeface="+mn-lt"/>
+              </a:rPr>
+              <a:t>Side</a:t>
+            </a:r>
+            <a:r>
+              <a:rPr lang="hu-HU" dirty="0">
+                <a:ea typeface="+mn-lt"/>
+                <a:cs typeface="+mn-lt"/>
+              </a:rPr>
+              <a:t> </a:t>
+            </a:r>
+            <a:r>
+              <a:rPr lang="hu-HU" dirty="0" err="1">
+                <a:ea typeface="+mn-lt"/>
+                <a:cs typeface="+mn-lt"/>
+              </a:rPr>
+              <a:t>Effects</a:t>
+            </a:r>
+            <a:r>
+              <a:rPr lang="hu-HU" dirty="0">
+                <a:ea typeface="+mn-lt"/>
+                <a:cs typeface="+mn-lt"/>
+              </a:rPr>
+              <a:t>)</a:t>
+            </a:r>
+          </a:p>
+          <a:p>
+            <a:pPr lvl="1"/>
+            <a:r>
+              <a:rPr lang="hu-HU" dirty="0">
+                <a:ea typeface="+mn-lt"/>
+                <a:cs typeface="+mn-lt"/>
+              </a:rPr>
+              <a:t>Time of </a:t>
+            </a:r>
+            <a:r>
+              <a:rPr lang="hu-HU" dirty="0" err="1">
+                <a:ea typeface="+mn-lt"/>
+                <a:cs typeface="+mn-lt"/>
+              </a:rPr>
+              <a:t>Reply</a:t>
+            </a:r>
+            <a:r>
+              <a:rPr lang="hu-HU" dirty="0">
+                <a:ea typeface="+mn-lt"/>
+                <a:cs typeface="+mn-lt"/>
+              </a:rPr>
+              <a:t> (</a:t>
+            </a:r>
+            <a:r>
+              <a:rPr lang="hu-HU" dirty="0" err="1">
+                <a:ea typeface="+mn-lt"/>
+                <a:cs typeface="+mn-lt"/>
+              </a:rPr>
+              <a:t>Efficiency</a:t>
+            </a:r>
+            <a:r>
+              <a:rPr lang="hu-HU" dirty="0">
+                <a:ea typeface="+mn-lt"/>
+                <a:cs typeface="+mn-lt"/>
+              </a:rPr>
+              <a:t>)</a:t>
+            </a:r>
+          </a:p>
+          <a:p>
+            <a:r>
+              <a:rPr lang="hu-HU" dirty="0" err="1">
+                <a:ea typeface="+mn-lt"/>
+                <a:cs typeface="+mn-lt"/>
+              </a:rPr>
+              <a:t>varying</a:t>
+            </a:r>
+            <a:r>
+              <a:rPr lang="hu-HU" dirty="0">
+                <a:ea typeface="+mn-lt"/>
+                <a:cs typeface="+mn-lt"/>
+              </a:rPr>
+              <a:t> </a:t>
+            </a:r>
+            <a:r>
+              <a:rPr lang="hu-HU" dirty="0" err="1">
+                <a:ea typeface="+mn-lt"/>
+                <a:cs typeface="+mn-lt"/>
+              </a:rPr>
+              <a:t>levels</a:t>
+            </a:r>
+            <a:r>
+              <a:rPr lang="hu-HU" dirty="0">
+                <a:ea typeface="+mn-lt"/>
+                <a:cs typeface="+mn-lt"/>
+              </a:rPr>
+              <a:t> of </a:t>
+            </a:r>
+            <a:r>
+              <a:rPr lang="hu-HU" dirty="0" err="1">
+                <a:ea typeface="+mn-lt"/>
+                <a:cs typeface="+mn-lt"/>
+              </a:rPr>
+              <a:t>complexity</a:t>
+            </a:r>
+            <a:r>
+              <a:rPr lang="hu-HU" dirty="0">
+                <a:ea typeface="+mn-lt"/>
+                <a:cs typeface="+mn-lt"/>
+              </a:rPr>
+              <a:t> (1,3,5 </a:t>
+            </a:r>
+            <a:r>
+              <a:rPr lang="hu-HU" dirty="0" err="1">
+                <a:ea typeface="+mn-lt"/>
+                <a:cs typeface="+mn-lt"/>
+              </a:rPr>
+              <a:t>bugs</a:t>
+            </a:r>
+            <a:r>
+              <a:rPr lang="hu-HU" dirty="0">
+                <a:ea typeface="+mn-lt"/>
+                <a:cs typeface="+mn-lt"/>
+              </a:rPr>
+              <a:t>)</a:t>
+            </a:r>
+          </a:p>
+          <a:p>
+            <a:r>
+              <a:rPr lang="hu-HU" dirty="0" err="1">
+                <a:ea typeface="+mn-lt"/>
+                <a:cs typeface="+mn-lt"/>
+              </a:rPr>
+              <a:t>simple</a:t>
+            </a:r>
+            <a:r>
+              <a:rPr lang="hu-HU" dirty="0">
+                <a:ea typeface="+mn-lt"/>
+                <a:cs typeface="+mn-lt"/>
+              </a:rPr>
+              <a:t> </a:t>
+            </a:r>
+            <a:r>
+              <a:rPr lang="hu-HU" dirty="0" err="1">
+                <a:ea typeface="+mn-lt"/>
+                <a:cs typeface="+mn-lt"/>
+              </a:rPr>
+              <a:t>versus</a:t>
+            </a:r>
+            <a:r>
+              <a:rPr lang="hu-HU" dirty="0">
+                <a:ea typeface="+mn-lt"/>
+                <a:cs typeface="+mn-lt"/>
+              </a:rPr>
+              <a:t> </a:t>
+            </a:r>
+            <a:r>
+              <a:rPr lang="hu-HU" dirty="0" err="1">
+                <a:ea typeface="+mn-lt"/>
+                <a:cs typeface="+mn-lt"/>
+              </a:rPr>
+              <a:t>complex</a:t>
+            </a:r>
+            <a:r>
+              <a:rPr lang="hu-HU" dirty="0">
+                <a:ea typeface="+mn-lt"/>
+                <a:cs typeface="+mn-lt"/>
+              </a:rPr>
+              <a:t> (multi-</a:t>
+            </a:r>
+            <a:r>
+              <a:rPr lang="hu-HU" dirty="0" err="1">
+                <a:ea typeface="+mn-lt"/>
+                <a:cs typeface="+mn-lt"/>
+              </a:rPr>
+              <a:t>hunk</a:t>
+            </a:r>
+            <a:r>
+              <a:rPr lang="hu-HU" dirty="0">
+                <a:ea typeface="+mn-lt"/>
+                <a:cs typeface="+mn-lt"/>
+              </a:rPr>
+              <a:t>) </a:t>
+            </a:r>
+            <a:r>
+              <a:rPr lang="hu-HU" dirty="0" err="1">
+                <a:ea typeface="+mn-lt"/>
+                <a:cs typeface="+mn-lt"/>
+              </a:rPr>
+              <a:t>defects</a:t>
+            </a:r>
+            <a:r>
+              <a:rPr lang="hu-HU" dirty="0">
+                <a:ea typeface="+mn-lt"/>
+                <a:cs typeface="+mn-lt"/>
+              </a:rPr>
+              <a:t> performance </a:t>
+            </a:r>
+            <a:r>
+              <a:rPr lang="hu-HU" dirty="0" err="1">
+                <a:ea typeface="+mn-lt"/>
+                <a:cs typeface="+mn-lt"/>
+              </a:rPr>
+              <a:t>comparison</a:t>
+            </a:r>
+            <a:endParaRPr lang="hu-HU" dirty="0">
+              <a:ea typeface="+mn-lt"/>
+              <a:cs typeface="+mn-lt"/>
+            </a:endParaRPr>
+          </a:p>
         </p:txBody>
       </p:sp>
     </p:spTree>
     <p:extLst>
       <p:ext uri="{BB962C8B-B14F-4D97-AF65-F5344CB8AC3E}">
         <p14:creationId xmlns:p14="http://schemas.microsoft.com/office/powerpoint/2010/main" val="453888696"/>
+      </p:ext>
+    </p:extLst>
+  </p:cSld>
+  <p:clrMapOvr>
+    <a:masterClrMapping/>
+  </p:clrMapOvr>
+</p:sld>
+</file>
+
+<file path=ppt/slides/slide6.xml><?xml version="1.0" encoding="utf-8"?>
+<p:sld xmlns:a="http://schemas.openxmlformats.org/drawingml/2006/main" xmlns:r="http://schemas.openxmlformats.org/officeDocument/2006/relationships" xmlns:p="http://schemas.openxmlformats.org/presentationml/2006/main">
+  <p:cSld>
+    <p:spTree>
+      <p:nvGrpSpPr>
+        <p:cNvPr id="1" name=""/>
+        <p:cNvGrpSpPr/>
+        <p:nvPr/>
+      </p:nvGrpSpPr>
+      <p:grpSpPr>
+        <a:xfrm>
+          <a:off x="0" y="0"/>
+          <a:ext cx="0" cy="0"/>
+          <a:chOff x="0" y="0"/>
+          <a:chExt cx="0" cy="0"/>
+        </a:xfrm>
+      </p:grpSpPr>
+      <p:sp>
+        <p:nvSpPr>
+          <p:cNvPr id="2" name="Cím 1">
+            <a:extLst>
+              <a:ext uri="{FF2B5EF4-FFF2-40B4-BE49-F238E27FC236}">
+                <a16:creationId xmlns:a16="http://schemas.microsoft.com/office/drawing/2014/main" id="{52439329-D010-A311-2575-873B9B402DBA}"/>
+              </a:ext>
+            </a:extLst>
+          </p:cNvPr>
+          <p:cNvSpPr>
+            <a:spLocks noGrp="1"/>
+          </p:cNvSpPr>
+          <p:nvPr>
+            <p:ph type="title"/>
+          </p:nvPr>
+        </p:nvSpPr>
+        <p:spPr/>
+        <p:txBody>
+          <a:bodyPr/>
+          <a:lstStyle/>
+          <a:p>
+            <a:r>
+              <a:rPr lang="hu-HU" dirty="0" err="1"/>
+              <a:t>Methodology</a:t>
+            </a:r>
+            <a:endParaRPr lang="hu-HU" dirty="0"/>
+          </a:p>
+        </p:txBody>
+      </p:sp>
+      <p:sp>
+        <p:nvSpPr>
+          <p:cNvPr id="3" name="Tartalom helye 2">
+            <a:extLst>
+              <a:ext uri="{FF2B5EF4-FFF2-40B4-BE49-F238E27FC236}">
+                <a16:creationId xmlns:a16="http://schemas.microsoft.com/office/drawing/2014/main" id="{506B8539-EDA4-469B-890B-A4E0B1FD108E}"/>
+              </a:ext>
+            </a:extLst>
+          </p:cNvPr>
+          <p:cNvSpPr>
+            <a:spLocks noGrp="1"/>
+          </p:cNvSpPr>
+          <p:nvPr>
+            <p:ph idx="1"/>
+          </p:nvPr>
+        </p:nvSpPr>
+        <p:spPr/>
+        <p:txBody>
+          <a:bodyPr/>
+          <a:lstStyle/>
+          <a:p>
+            <a:pPr marL="0" indent="0">
+              <a:buNone/>
+            </a:pPr>
+            <a:r>
+              <a:rPr lang="hu-HU" dirty="0" err="1"/>
+              <a:t>valuation</a:t>
+            </a:r>
+            <a:r>
+              <a:rPr lang="hu-HU" dirty="0"/>
+              <a:t> </a:t>
+            </a:r>
+            <a:r>
+              <a:rPr lang="hu-HU" dirty="0" err="1"/>
+              <a:t>aims</a:t>
+            </a:r>
+            <a:r>
+              <a:rPr lang="hu-HU" dirty="0"/>
+              <a:t> </a:t>
+            </a:r>
+            <a:r>
+              <a:rPr lang="hu-HU" dirty="0" err="1"/>
+              <a:t>to</a:t>
+            </a:r>
+            <a:r>
+              <a:rPr lang="hu-HU" dirty="0"/>
+              <a:t> </a:t>
+            </a:r>
+            <a:r>
+              <a:rPr lang="hu-HU" dirty="0" err="1"/>
+              <a:t>measure</a:t>
+            </a:r>
+            <a:r>
+              <a:rPr lang="hu-HU" dirty="0"/>
+              <a:t>:</a:t>
+            </a:r>
+          </a:p>
+          <a:p>
+            <a:r>
+              <a:rPr lang="hu-HU" dirty="0"/>
+              <a:t>	</a:t>
+            </a:r>
+            <a:r>
+              <a:rPr lang="en-US" dirty="0"/>
+              <a:t>system’s effectiveness (patch accuracy)</a:t>
+            </a:r>
+            <a:endParaRPr lang="hu-HU" dirty="0"/>
+          </a:p>
+          <a:p>
+            <a:r>
+              <a:rPr lang="hu-HU" dirty="0"/>
+              <a:t>	</a:t>
+            </a:r>
+            <a:r>
+              <a:rPr lang="en-US" dirty="0"/>
+              <a:t> robustness (side effects)</a:t>
+            </a:r>
+            <a:endParaRPr lang="hu-HU" dirty="0"/>
+          </a:p>
+          <a:p>
+            <a:r>
+              <a:rPr lang="hu-HU" dirty="0"/>
+              <a:t>	</a:t>
+            </a:r>
+            <a:r>
+              <a:rPr lang="en-US" dirty="0"/>
+              <a:t> efficiency (time of reply)</a:t>
+            </a:r>
+            <a:endParaRPr lang="hu-HU" dirty="0"/>
+          </a:p>
+        </p:txBody>
+      </p:sp>
+    </p:spTree>
+    <p:extLst>
+      <p:ext uri="{BB962C8B-B14F-4D97-AF65-F5344CB8AC3E}">
+        <p14:creationId xmlns:p14="http://schemas.microsoft.com/office/powerpoint/2010/main" val="3890874752"/>
+      </p:ext>
+    </p:extLst>
+  </p:cSld>
+  <p:clrMapOvr>
+    <a:masterClrMapping/>
+  </p:clrMapOvr>
+</p:sld>
+</file>
+
+<file path=ppt/slides/slide7.xml><?xml version="1.0" encoding="utf-8"?>
+<p:sld xmlns:a="http://schemas.openxmlformats.org/drawingml/2006/main" xmlns:r="http://schemas.openxmlformats.org/officeDocument/2006/relationships" xmlns:p="http://schemas.openxmlformats.org/presentationml/2006/main">
+  <p:cSld>
+    <p:spTree>
+      <p:nvGrpSpPr>
+        <p:cNvPr id="1" name=""/>
+        <p:cNvGrpSpPr/>
+        <p:nvPr/>
+      </p:nvGrpSpPr>
+      <p:grpSpPr>
+        <a:xfrm>
+          <a:off x="0" y="0"/>
+          <a:ext cx="0" cy="0"/>
+          <a:chOff x="0" y="0"/>
+          <a:chExt cx="0" cy="0"/>
+        </a:xfrm>
+      </p:grpSpPr>
+      <p:sp>
+        <p:nvSpPr>
+          <p:cNvPr id="2" name="Cím 1">
+            <a:extLst>
+              <a:ext uri="{FF2B5EF4-FFF2-40B4-BE49-F238E27FC236}">
+                <a16:creationId xmlns:a16="http://schemas.microsoft.com/office/drawing/2014/main" id="{96A3B1E9-3208-FECE-172F-84B97A376E91}"/>
+              </a:ext>
+            </a:extLst>
+          </p:cNvPr>
+          <p:cNvSpPr>
+            <a:spLocks noGrp="1"/>
+          </p:cNvSpPr>
+          <p:nvPr>
+            <p:ph type="title"/>
+          </p:nvPr>
+        </p:nvSpPr>
+        <p:spPr/>
+        <p:txBody>
+          <a:bodyPr/>
+          <a:lstStyle/>
+          <a:p>
+            <a:r>
+              <a:rPr lang="hu-HU" dirty="0" err="1"/>
+              <a:t>Challenge</a:t>
+            </a:r>
+            <a:endParaRPr lang="hu-HU" dirty="0"/>
+          </a:p>
+        </p:txBody>
+      </p:sp>
+      <p:sp>
+        <p:nvSpPr>
+          <p:cNvPr id="3" name="Tartalom helye 2">
+            <a:extLst>
+              <a:ext uri="{FF2B5EF4-FFF2-40B4-BE49-F238E27FC236}">
+                <a16:creationId xmlns:a16="http://schemas.microsoft.com/office/drawing/2014/main" id="{489DF1AE-246B-73AF-4BB5-962EF27E86D7}"/>
+              </a:ext>
+            </a:extLst>
+          </p:cNvPr>
+          <p:cNvSpPr>
+            <a:spLocks noGrp="1"/>
+          </p:cNvSpPr>
+          <p:nvPr>
+            <p:ph idx="1"/>
+          </p:nvPr>
+        </p:nvSpPr>
+        <p:spPr/>
+        <p:txBody>
+          <a:bodyPr/>
+          <a:lstStyle/>
+          <a:p>
+            <a:r>
+              <a:rPr lang="hu-HU" dirty="0" err="1"/>
+              <a:t>inherent</a:t>
+            </a:r>
+            <a:r>
+              <a:rPr lang="hu-HU" dirty="0"/>
+              <a:t> non-</a:t>
+            </a:r>
+            <a:r>
+              <a:rPr lang="hu-HU" dirty="0" err="1"/>
+              <a:t>determinism</a:t>
+            </a:r>
+            <a:endParaRPr lang="hu-HU" dirty="0"/>
+          </a:p>
+          <a:p>
+            <a:r>
+              <a:rPr lang="hu-HU" dirty="0" err="1"/>
+              <a:t>thread</a:t>
+            </a:r>
+            <a:r>
+              <a:rPr lang="hu-HU" dirty="0"/>
+              <a:t> </a:t>
+            </a:r>
+            <a:r>
+              <a:rPr lang="hu-HU" dirty="0" err="1"/>
+              <a:t>interleavings</a:t>
+            </a:r>
+            <a:r>
+              <a:rPr lang="hu-HU" dirty="0"/>
+              <a:t> -&gt; </a:t>
+            </a:r>
+            <a:r>
+              <a:rPr lang="hu-HU" dirty="0" err="1"/>
+              <a:t>complexity</a:t>
+            </a:r>
+            <a:endParaRPr lang="hu-HU" dirty="0"/>
+          </a:p>
+          <a:p>
+            <a:r>
+              <a:rPr lang="hu-HU" dirty="0"/>
+              <a:t>Program Corpus: </a:t>
+            </a:r>
+            <a:r>
+              <a:rPr lang="hu-HU" dirty="0" err="1"/>
+              <a:t>assess</a:t>
+            </a:r>
+            <a:r>
+              <a:rPr lang="hu-HU" dirty="0"/>
+              <a:t> </a:t>
+            </a:r>
+            <a:r>
+              <a:rPr lang="hu-HU" dirty="0" err="1"/>
+              <a:t>the</a:t>
+            </a:r>
+            <a:r>
+              <a:rPr lang="hu-HU" dirty="0"/>
+              <a:t> </a:t>
+            </a:r>
+            <a:r>
+              <a:rPr lang="hu-HU" dirty="0" err="1"/>
+              <a:t>repair</a:t>
+            </a:r>
+            <a:r>
+              <a:rPr lang="hu-HU" dirty="0"/>
+              <a:t> </a:t>
+            </a:r>
+            <a:r>
+              <a:rPr lang="hu-HU" dirty="0" err="1"/>
+              <a:t>capability</a:t>
+            </a:r>
+            <a:r>
+              <a:rPr lang="hu-HU" dirty="0"/>
+              <a:t> </a:t>
+            </a:r>
+          </a:p>
+          <a:p>
+            <a:r>
+              <a:rPr lang="hu-HU" dirty="0"/>
+              <a:t>Testing Oracle:  </a:t>
+            </a:r>
+            <a:r>
+              <a:rPr lang="hu-HU" dirty="0" err="1"/>
+              <a:t>exhaustive</a:t>
+            </a:r>
+            <a:r>
+              <a:rPr lang="hu-HU" dirty="0"/>
+              <a:t> </a:t>
+            </a:r>
+            <a:r>
+              <a:rPr lang="hu-HU" dirty="0" err="1"/>
+              <a:t>tests</a:t>
+            </a:r>
+            <a:r>
+              <a:rPr lang="hu-HU" dirty="0"/>
+              <a:t> </a:t>
+            </a:r>
+            <a:r>
+              <a:rPr lang="hu-HU" dirty="0" err="1"/>
+              <a:t>to</a:t>
+            </a:r>
+            <a:r>
+              <a:rPr lang="hu-HU" dirty="0"/>
+              <a:t> </a:t>
+            </a:r>
+            <a:r>
+              <a:rPr lang="hu-HU" dirty="0" err="1"/>
+              <a:t>validate</a:t>
+            </a:r>
+            <a:r>
+              <a:rPr lang="hu-HU" dirty="0"/>
+              <a:t> patches</a:t>
+            </a:r>
+          </a:p>
+          <a:p>
+            <a:r>
+              <a:rPr lang="hu-HU" dirty="0"/>
+              <a:t>Patch </a:t>
+            </a:r>
+            <a:r>
+              <a:rPr lang="hu-HU" dirty="0" err="1"/>
+              <a:t>validation</a:t>
+            </a:r>
+            <a:r>
+              <a:rPr lang="hu-HU" dirty="0"/>
+              <a:t> </a:t>
+            </a:r>
+            <a:r>
+              <a:rPr lang="hu-HU" dirty="0" err="1"/>
+              <a:t>goal</a:t>
+            </a:r>
+            <a:r>
+              <a:rPr lang="hu-HU" dirty="0"/>
+              <a:t>:</a:t>
+            </a:r>
+          </a:p>
+          <a:p>
+            <a:pPr lvl="1"/>
+            <a:r>
+              <a:rPr lang="hu-HU" dirty="0" err="1"/>
+              <a:t>determine</a:t>
+            </a:r>
+            <a:r>
+              <a:rPr lang="hu-HU" dirty="0"/>
+              <a:t> </a:t>
+            </a:r>
+            <a:r>
+              <a:rPr lang="hu-HU" dirty="0" err="1"/>
+              <a:t>successful</a:t>
+            </a:r>
+            <a:r>
+              <a:rPr lang="hu-HU" dirty="0"/>
+              <a:t> </a:t>
+            </a:r>
+            <a:r>
+              <a:rPr lang="hu-HU" dirty="0" err="1"/>
+              <a:t>fixes</a:t>
+            </a:r>
+            <a:endParaRPr lang="hu-HU" dirty="0"/>
+          </a:p>
+          <a:p>
+            <a:pPr lvl="1"/>
+            <a:r>
+              <a:rPr lang="hu-HU" dirty="0" err="1"/>
+              <a:t>resulting</a:t>
+            </a:r>
+            <a:r>
+              <a:rPr lang="hu-HU" dirty="0"/>
+              <a:t> program </a:t>
+            </a:r>
+            <a:r>
+              <a:rPr lang="hu-HU" dirty="0" err="1"/>
+              <a:t>fails</a:t>
+            </a:r>
+            <a:r>
+              <a:rPr lang="hu-HU" dirty="0"/>
+              <a:t>  </a:t>
+            </a:r>
+            <a:r>
+              <a:rPr lang="hu-HU" dirty="0" err="1"/>
+              <a:t>or</a:t>
+            </a:r>
+            <a:r>
+              <a:rPr lang="hu-HU" dirty="0"/>
+              <a:t> </a:t>
+            </a:r>
+            <a:r>
+              <a:rPr lang="hu-HU" dirty="0" err="1"/>
+              <a:t>new</a:t>
+            </a:r>
+            <a:r>
+              <a:rPr lang="hu-HU" dirty="0"/>
+              <a:t> </a:t>
+            </a:r>
+            <a:r>
+              <a:rPr lang="hu-HU" dirty="0" err="1"/>
+              <a:t>instability</a:t>
+            </a:r>
+            <a:endParaRPr lang="hu-HU" dirty="0"/>
+          </a:p>
+        </p:txBody>
+      </p:sp>
+    </p:spTree>
+    <p:extLst>
+      <p:ext uri="{BB962C8B-B14F-4D97-AF65-F5344CB8AC3E}">
+        <p14:creationId xmlns:p14="http://schemas.microsoft.com/office/powerpoint/2010/main" val="1325333676"/>
+      </p:ext>
+    </p:extLst>
+  </p:cSld>
+  <p:clrMapOvr>
+    <a:masterClrMapping/>
+  </p:clrMapOvr>
+</p:sld>
+</file>
+
+<file path=ppt/slides/slide8.xml><?xml version="1.0" encoding="utf-8"?>
+<p:sld xmlns:a="http://schemas.openxmlformats.org/drawingml/2006/main" xmlns:r="http://schemas.openxmlformats.org/officeDocument/2006/relationships" xmlns:p="http://schemas.openxmlformats.org/presentationml/2006/main">
+  <p:cSld>
+    <p:spTree>
+      <p:nvGrpSpPr>
+        <p:cNvPr id="1" name=""/>
+        <p:cNvGrpSpPr/>
+        <p:nvPr/>
+      </p:nvGrpSpPr>
+      <p:grpSpPr>
+        <a:xfrm>
+          <a:off x="0" y="0"/>
+          <a:ext cx="0" cy="0"/>
+          <a:chOff x="0" y="0"/>
+          <a:chExt cx="0" cy="0"/>
+        </a:xfrm>
+      </p:grpSpPr>
+      <p:sp>
+        <p:nvSpPr>
+          <p:cNvPr id="2" name="Cím 1">
+            <a:extLst>
+              <a:ext uri="{FF2B5EF4-FFF2-40B4-BE49-F238E27FC236}">
+                <a16:creationId xmlns:a16="http://schemas.microsoft.com/office/drawing/2014/main" id="{60B4D75B-BCD5-9409-5E9B-CE722724583E}"/>
+              </a:ext>
+            </a:extLst>
+          </p:cNvPr>
+          <p:cNvSpPr>
+            <a:spLocks noGrp="1"/>
+          </p:cNvSpPr>
+          <p:nvPr>
+            <p:ph type="title"/>
+          </p:nvPr>
+        </p:nvSpPr>
+        <p:spPr/>
+        <p:txBody>
+          <a:bodyPr/>
+          <a:lstStyle/>
+          <a:p>
+            <a:r>
+              <a:rPr lang="hu-HU" dirty="0" err="1"/>
+              <a:t>Evaluation</a:t>
+            </a:r>
+            <a:r>
+              <a:rPr lang="hu-HU" dirty="0"/>
+              <a:t> </a:t>
+            </a:r>
+            <a:r>
+              <a:rPr lang="hu-HU" dirty="0" err="1"/>
+              <a:t>Metrics</a:t>
+            </a:r>
+            <a:endParaRPr lang="hu-HU" dirty="0"/>
+          </a:p>
+        </p:txBody>
+      </p:sp>
+      <p:sp>
+        <p:nvSpPr>
+          <p:cNvPr id="3" name="Tartalom helye 2">
+            <a:extLst>
+              <a:ext uri="{FF2B5EF4-FFF2-40B4-BE49-F238E27FC236}">
+                <a16:creationId xmlns:a16="http://schemas.microsoft.com/office/drawing/2014/main" id="{390183ED-0792-06B8-387A-23737F118FE4}"/>
+              </a:ext>
+            </a:extLst>
+          </p:cNvPr>
+          <p:cNvSpPr>
+            <a:spLocks noGrp="1"/>
+          </p:cNvSpPr>
+          <p:nvPr>
+            <p:ph idx="1"/>
+          </p:nvPr>
+        </p:nvSpPr>
+        <p:spPr/>
+        <p:txBody>
+          <a:bodyPr/>
+          <a:lstStyle/>
+          <a:p>
+            <a:r>
+              <a:rPr lang="hu-HU" dirty="0"/>
+              <a:t>Patch </a:t>
+            </a:r>
+            <a:r>
+              <a:rPr lang="hu-HU" dirty="0" err="1"/>
+              <a:t>Accuracy</a:t>
+            </a:r>
+            <a:endParaRPr lang="hu-HU" dirty="0"/>
+          </a:p>
+          <a:p>
+            <a:pPr lvl="1"/>
+            <a:r>
+              <a:rPr lang="hu-HU" dirty="0" err="1"/>
+              <a:t>Correct</a:t>
+            </a:r>
+            <a:r>
+              <a:rPr lang="hu-HU" dirty="0"/>
+              <a:t> Patch </a:t>
+            </a:r>
+            <a:r>
+              <a:rPr lang="hu-HU" dirty="0" err="1"/>
+              <a:t>Definition</a:t>
+            </a:r>
+            <a:endParaRPr lang="hu-HU" dirty="0"/>
+          </a:p>
+          <a:p>
+            <a:pPr lvl="1"/>
+            <a:r>
+              <a:rPr lang="hu-HU" dirty="0"/>
+              <a:t>Fixed </a:t>
+            </a:r>
+            <a:r>
+              <a:rPr lang="hu-HU" dirty="0" err="1"/>
+              <a:t>Bugs</a:t>
+            </a:r>
+            <a:r>
+              <a:rPr lang="hu-HU" dirty="0"/>
+              <a:t> </a:t>
+            </a:r>
+            <a:r>
+              <a:rPr lang="hu-HU" dirty="0" err="1"/>
+              <a:t>Count</a:t>
+            </a:r>
+            <a:endParaRPr lang="hu-HU" dirty="0"/>
+          </a:p>
+          <a:p>
+            <a:r>
+              <a:rPr lang="en-US" dirty="0"/>
+              <a:t>Introducing New Bugs (Side Effects and Robustness)</a:t>
+            </a:r>
+            <a:endParaRPr lang="hu-HU" dirty="0"/>
+          </a:p>
+          <a:p>
+            <a:pPr lvl="1"/>
+            <a:r>
+              <a:rPr lang="hu-HU" dirty="0" err="1"/>
+              <a:t>Regression</a:t>
+            </a:r>
+            <a:r>
+              <a:rPr lang="hu-HU" dirty="0"/>
+              <a:t> </a:t>
+            </a:r>
+            <a:r>
+              <a:rPr lang="hu-HU" dirty="0" err="1"/>
+              <a:t>Failures</a:t>
+            </a:r>
+            <a:endParaRPr lang="hu-HU" dirty="0"/>
+          </a:p>
+          <a:p>
+            <a:pPr lvl="1"/>
+            <a:r>
+              <a:rPr lang="hu-HU" dirty="0"/>
+              <a:t>New </a:t>
+            </a:r>
+            <a:r>
+              <a:rPr lang="hu-HU" dirty="0" err="1"/>
+              <a:t>Violations</a:t>
+            </a:r>
+            <a:r>
+              <a:rPr lang="hu-HU" dirty="0"/>
+              <a:t>/</a:t>
+            </a:r>
+            <a:r>
+              <a:rPr lang="hu-HU" dirty="0" err="1"/>
+              <a:t>Code</a:t>
+            </a:r>
+            <a:r>
+              <a:rPr lang="hu-HU" dirty="0"/>
+              <a:t> </a:t>
+            </a:r>
+            <a:r>
+              <a:rPr lang="hu-HU" dirty="0" err="1"/>
+              <a:t>Quality</a:t>
+            </a:r>
+            <a:endParaRPr lang="hu-HU" dirty="0"/>
+          </a:p>
+          <a:p>
+            <a:r>
+              <a:rPr lang="hu-HU" dirty="0"/>
+              <a:t>Time of </a:t>
+            </a:r>
+            <a:r>
+              <a:rPr lang="hu-HU" dirty="0" err="1"/>
+              <a:t>Reply</a:t>
+            </a:r>
+            <a:r>
+              <a:rPr lang="hu-HU" dirty="0"/>
+              <a:t> (</a:t>
+            </a:r>
+            <a:r>
+              <a:rPr lang="hu-HU" dirty="0" err="1"/>
+              <a:t>Efficiency</a:t>
+            </a:r>
+            <a:r>
+              <a:rPr lang="hu-HU" dirty="0"/>
+              <a:t>)</a:t>
+            </a:r>
+          </a:p>
+          <a:p>
+            <a:pPr lvl="1"/>
+            <a:r>
+              <a:rPr lang="hu-HU" dirty="0" err="1"/>
+              <a:t>Measurement</a:t>
+            </a:r>
+            <a:endParaRPr lang="hu-HU" dirty="0"/>
+          </a:p>
+          <a:p>
+            <a:pPr lvl="1"/>
+            <a:r>
+              <a:rPr lang="hu-HU" dirty="0" err="1"/>
+              <a:t>Relevance</a:t>
+            </a:r>
+            <a:endParaRPr lang="hu-HU" dirty="0"/>
+          </a:p>
+        </p:txBody>
+      </p:sp>
+    </p:spTree>
+    <p:extLst>
+      <p:ext uri="{BB962C8B-B14F-4D97-AF65-F5344CB8AC3E}">
+        <p14:creationId xmlns:p14="http://schemas.microsoft.com/office/powerpoint/2010/main" val="4214644303"/>
+      </p:ext>
+    </p:extLst>
+  </p:cSld>
+  <p:clrMapOvr>
+    <a:masterClrMapping/>
+  </p:clrMapOvr>
+</p:sld>
+</file>
+
+<file path=ppt/slides/slide9.xml><?xml version="1.0" encoding="utf-8"?>
+<p:sld xmlns:a="http://schemas.openxmlformats.org/drawingml/2006/main" xmlns:r="http://schemas.openxmlformats.org/officeDocument/2006/relationships" xmlns:p="http://schemas.openxmlformats.org/presentationml/2006/main">
+  <p:cSld>
+    <p:spTree>
+      <p:nvGrpSpPr>
+        <p:cNvPr id="1" name=""/>
+        <p:cNvGrpSpPr/>
+        <p:nvPr/>
+      </p:nvGrpSpPr>
+      <p:grpSpPr>
+        <a:xfrm>
+          <a:off x="0" y="0"/>
+          <a:ext cx="0" cy="0"/>
+          <a:chOff x="0" y="0"/>
+          <a:chExt cx="0" cy="0"/>
+        </a:xfrm>
+      </p:grpSpPr>
+      <p:sp>
+        <p:nvSpPr>
+          <p:cNvPr id="2" name="Cím 1">
+            <a:extLst>
+              <a:ext uri="{FF2B5EF4-FFF2-40B4-BE49-F238E27FC236}">
+                <a16:creationId xmlns:a16="http://schemas.microsoft.com/office/drawing/2014/main" id="{C05A6320-C513-DDF9-617E-FF78E16375E8}"/>
+              </a:ext>
+            </a:extLst>
+          </p:cNvPr>
+          <p:cNvSpPr>
+            <a:spLocks noGrp="1"/>
+          </p:cNvSpPr>
+          <p:nvPr>
+            <p:ph type="title"/>
+          </p:nvPr>
+        </p:nvSpPr>
+        <p:spPr/>
+        <p:txBody>
+          <a:bodyPr/>
+          <a:lstStyle/>
+          <a:p>
+            <a:r>
+              <a:rPr lang="hu-HU" dirty="0"/>
+              <a:t>Patch </a:t>
+            </a:r>
+            <a:r>
+              <a:rPr lang="hu-HU" dirty="0" err="1"/>
+              <a:t>Validation</a:t>
+            </a:r>
+            <a:r>
+              <a:rPr lang="hu-HU" dirty="0"/>
+              <a:t> </a:t>
+            </a:r>
+            <a:r>
+              <a:rPr lang="hu-HU" dirty="0" err="1"/>
+              <a:t>Protocol</a:t>
+            </a:r>
+            <a:endParaRPr lang="hu-HU" dirty="0"/>
+          </a:p>
+        </p:txBody>
+      </p:sp>
+      <p:sp>
+        <p:nvSpPr>
+          <p:cNvPr id="3" name="Tartalom helye 2">
+            <a:extLst>
+              <a:ext uri="{FF2B5EF4-FFF2-40B4-BE49-F238E27FC236}">
+                <a16:creationId xmlns:a16="http://schemas.microsoft.com/office/drawing/2014/main" id="{33CA52A9-A5D4-E5CA-4171-E7169E10CF7D}"/>
+              </a:ext>
+            </a:extLst>
+          </p:cNvPr>
+          <p:cNvSpPr>
+            <a:spLocks noGrp="1"/>
+          </p:cNvSpPr>
+          <p:nvPr>
+            <p:ph idx="1"/>
+          </p:nvPr>
+        </p:nvSpPr>
+        <p:spPr/>
+        <p:txBody>
+          <a:bodyPr/>
+          <a:lstStyle/>
+          <a:p>
+            <a:r>
+              <a:rPr lang="hu-HU" dirty="0" err="1"/>
+              <a:t>Concurrency</a:t>
+            </a:r>
+            <a:r>
+              <a:rPr lang="hu-HU" dirty="0"/>
+              <a:t> </a:t>
+            </a:r>
+            <a:r>
+              <a:rPr lang="hu-HU" dirty="0" err="1"/>
+              <a:t>Validation</a:t>
+            </a:r>
+            <a:endParaRPr lang="hu-HU" dirty="0"/>
+          </a:p>
+          <a:p>
+            <a:r>
+              <a:rPr lang="hu-HU" dirty="0" err="1"/>
+              <a:t>Root</a:t>
+            </a:r>
+            <a:r>
+              <a:rPr lang="hu-HU" dirty="0"/>
+              <a:t> </a:t>
+            </a:r>
+            <a:r>
+              <a:rPr lang="hu-HU" dirty="0" err="1"/>
+              <a:t>Cause</a:t>
+            </a:r>
+            <a:r>
+              <a:rPr lang="hu-HU" dirty="0"/>
+              <a:t> </a:t>
+            </a:r>
+            <a:r>
+              <a:rPr lang="hu-HU" dirty="0" err="1"/>
+              <a:t>Confirmation</a:t>
+            </a:r>
+            <a:endParaRPr lang="hu-HU" dirty="0"/>
+          </a:p>
+        </p:txBody>
+      </p:sp>
+    </p:spTree>
+    <p:extLst>
+      <p:ext uri="{BB962C8B-B14F-4D97-AF65-F5344CB8AC3E}">
+        <p14:creationId xmlns:p14="http://schemas.microsoft.com/office/powerpoint/2010/main" val="2294346389"/>
       </p:ext>
     </p:extLst>
   </p:cSld>
